--- a/matlab/03_PILOT_Framework of Analysis.pptx
+++ b/matlab/03_PILOT_Framework of Analysis.pptx
@@ -203,7 +203,7 @@
           <a:p>
             <a:fld id="{7C3B1A1B-732F-4226-B562-244D37E7C655}" type="datetimeFigureOut">
               <a:rPr lang="ko-KR" altLang="en-US" smtClean="0"/>
-              <a:t>2022-02-15</a:t>
+              <a:t>2022-02-16</a:t>
             </a:fld>
             <a:endParaRPr lang="ko-KR" altLang="en-US"/>
           </a:p>
@@ -619,7 +619,7 @@
           <a:p>
             <a:fld id="{D9964CD7-D0E4-4B8D-8CB3-716D6F3429CC}" type="datetimeFigureOut">
               <a:rPr lang="ko-KR" altLang="en-US" smtClean="0"/>
-              <a:t>2022-02-15</a:t>
+              <a:t>2022-02-16</a:t>
             </a:fld>
             <a:endParaRPr lang="ko-KR" altLang="en-US"/>
           </a:p>
@@ -1027,7 +1027,7 @@
           <a:p>
             <a:fld id="{D9964CD7-D0E4-4B8D-8CB3-716D6F3429CC}" type="datetimeFigureOut">
               <a:rPr lang="ko-KR" altLang="en-US" smtClean="0"/>
-              <a:t>2022-02-15</a:t>
+              <a:t>2022-02-16</a:t>
             </a:fld>
             <a:endParaRPr lang="ko-KR" altLang="en-US"/>
           </a:p>
@@ -1197,7 +1197,7 @@
           <a:p>
             <a:fld id="{D9964CD7-D0E4-4B8D-8CB3-716D6F3429CC}" type="datetimeFigureOut">
               <a:rPr lang="ko-KR" altLang="en-US" smtClean="0"/>
-              <a:t>2022-02-15</a:t>
+              <a:t>2022-02-16</a:t>
             </a:fld>
             <a:endParaRPr lang="ko-KR" altLang="en-US"/>
           </a:p>
@@ -1377,7 +1377,7 @@
           <a:p>
             <a:fld id="{D9964CD7-D0E4-4B8D-8CB3-716D6F3429CC}" type="datetimeFigureOut">
               <a:rPr lang="ko-KR" altLang="en-US" smtClean="0"/>
-              <a:t>2022-02-15</a:t>
+              <a:t>2022-02-16</a:t>
             </a:fld>
             <a:endParaRPr lang="ko-KR" altLang="en-US"/>
           </a:p>
@@ -1702,7 +1702,7 @@
             <a:fld id="{D9964CD7-D0E4-4B8D-8CB3-716D6F3429CC}" type="datetimeFigureOut">
               <a:rPr lang="ko-KR" altLang="en-US" smtClean="0"/>
               <a:pPr/>
-              <a:t>2022-02-15</a:t>
+              <a:t>2022-02-16</a:t>
             </a:fld>
             <a:endParaRPr lang="ko-KR" altLang="en-US"/>
           </a:p>
@@ -2090,7 +2090,7 @@
             <a:fld id="{D9964CD7-D0E4-4B8D-8CB3-716D6F3429CC}" type="datetimeFigureOut">
               <a:rPr lang="ko-KR" altLang="en-US" smtClean="0"/>
               <a:pPr/>
-              <a:t>2022-02-15</a:t>
+              <a:t>2022-02-16</a:t>
             </a:fld>
             <a:endParaRPr lang="ko-KR" altLang="en-US"/>
           </a:p>
@@ -2349,7 +2349,7 @@
           <a:p>
             <a:fld id="{D9964CD7-D0E4-4B8D-8CB3-716D6F3429CC}" type="datetimeFigureOut">
               <a:rPr lang="ko-KR" altLang="en-US" smtClean="0"/>
-              <a:t>2022-02-15</a:t>
+              <a:t>2022-02-16</a:t>
             </a:fld>
             <a:endParaRPr lang="ko-KR" altLang="en-US"/>
           </a:p>
@@ -2581,7 +2581,7 @@
           <a:p>
             <a:fld id="{D9964CD7-D0E4-4B8D-8CB3-716D6F3429CC}" type="datetimeFigureOut">
               <a:rPr lang="ko-KR" altLang="en-US" smtClean="0"/>
-              <a:t>2022-02-15</a:t>
+              <a:t>2022-02-16</a:t>
             </a:fld>
             <a:endParaRPr lang="ko-KR" altLang="en-US"/>
           </a:p>
@@ -2948,7 +2948,7 @@
           <a:p>
             <a:fld id="{D9964CD7-D0E4-4B8D-8CB3-716D6F3429CC}" type="datetimeFigureOut">
               <a:rPr lang="ko-KR" altLang="en-US" smtClean="0"/>
-              <a:t>2022-02-15</a:t>
+              <a:t>2022-02-16</a:t>
             </a:fld>
             <a:endParaRPr lang="ko-KR" altLang="en-US"/>
           </a:p>
@@ -3066,7 +3066,7 @@
           <a:p>
             <a:fld id="{D9964CD7-D0E4-4B8D-8CB3-716D6F3429CC}" type="datetimeFigureOut">
               <a:rPr lang="ko-KR" altLang="en-US" smtClean="0"/>
-              <a:t>2022-02-15</a:t>
+              <a:t>2022-02-16</a:t>
             </a:fld>
             <a:endParaRPr lang="ko-KR" altLang="en-US"/>
           </a:p>
@@ -3161,7 +3161,7 @@
           <a:p>
             <a:fld id="{D9964CD7-D0E4-4B8D-8CB3-716D6F3429CC}" type="datetimeFigureOut">
               <a:rPr lang="ko-KR" altLang="en-US" smtClean="0"/>
-              <a:t>2022-02-15</a:t>
+              <a:t>2022-02-16</a:t>
             </a:fld>
             <a:endParaRPr lang="ko-KR" altLang="en-US"/>
           </a:p>
@@ -3438,7 +3438,7 @@
           <a:p>
             <a:fld id="{D9964CD7-D0E4-4B8D-8CB3-716D6F3429CC}" type="datetimeFigureOut">
               <a:rPr lang="ko-KR" altLang="en-US" smtClean="0"/>
-              <a:t>2022-02-15</a:t>
+              <a:t>2022-02-16</a:t>
             </a:fld>
             <a:endParaRPr lang="ko-KR" altLang="en-US"/>
           </a:p>
@@ -3651,7 +3651,7 @@
           <a:p>
             <a:fld id="{D9964CD7-D0E4-4B8D-8CB3-716D6F3429CC}" type="datetimeFigureOut">
               <a:rPr lang="ko-KR" altLang="en-US" smtClean="0"/>
-              <a:t>2022-02-15</a:t>
+              <a:t>2022-02-16</a:t>
             </a:fld>
             <a:endParaRPr lang="ko-KR" altLang="en-US"/>
           </a:p>
@@ -4138,14 +4138,13 @@
             </a:r>
           </a:p>
           <a:p>
-            <a:pPr marL="342900" indent="-342900" algn="l">
-              <a:buFont typeface="Arial" panose="020B0604020202020204" pitchFamily="34" charset="0"/>
-              <a:buChar char="•"/>
-            </a:pPr>
             <a:r>
               <a:rPr lang="en-US" altLang="ko-KR" dirty="0"/>
-              <a:t>N=</a:t>
+              <a:t>- N=20</a:t>
             </a:r>
+          </a:p>
+          <a:p>
+            <a:endParaRPr lang="en-US" altLang="ko-KR" dirty="0"/>
           </a:p>
         </p:txBody>
       </p:sp>
@@ -5837,7 +5836,7 @@
           <p:nvPr>
             <p:extLst>
               <p:ext uri="{D42A27DB-BD31-4B8C-83A1-F6EECF244321}">
-                <p14:modId xmlns:p14="http://schemas.microsoft.com/office/powerpoint/2010/main" val="3579365642"/>
+                <p14:modId xmlns:p14="http://schemas.microsoft.com/office/powerpoint/2010/main" val="1141448533"/>
               </p:ext>
             </p:extLst>
           </p:nvPr>
@@ -13754,6 +13753,112 @@
           </a:graphicData>
         </a:graphic>
       </p:graphicFrame>
+      <p:graphicFrame>
+        <p:nvGraphicFramePr>
+          <p:cNvPr id="47" name="표 46">
+            <a:extLst>
+              <a:ext uri="{FF2B5EF4-FFF2-40B4-BE49-F238E27FC236}">
+                <a16:creationId xmlns:a16="http://schemas.microsoft.com/office/drawing/2014/main" id="{AAA24F78-DDCD-4A5B-92FF-6ABE1F816E8C}"/>
+              </a:ext>
+            </a:extLst>
+          </p:cNvPr>
+          <p:cNvGraphicFramePr>
+            <a:graphicFrameLocks noGrp="1"/>
+          </p:cNvGraphicFramePr>
+          <p:nvPr>
+            <p:extLst>
+              <p:ext uri="{D42A27DB-BD31-4B8C-83A1-F6EECF244321}">
+                <p14:modId xmlns:p14="http://schemas.microsoft.com/office/powerpoint/2010/main" val="3589512401"/>
+              </p:ext>
+            </p:extLst>
+          </p:nvPr>
+        </p:nvGraphicFramePr>
+        <p:xfrm>
+          <a:off x="2864570" y="1275945"/>
+          <a:ext cx="671295" cy="560062"/>
+        </p:xfrm>
+        <a:graphic>
+          <a:graphicData uri="http://schemas.openxmlformats.org/drawingml/2006/table">
+            <a:tbl>
+              <a:tblPr>
+                <a:tableStyleId>{5C22544A-7EE6-4342-B048-85BDC9FD1C3A}</a:tableStyleId>
+              </a:tblPr>
+              <a:tblGrid>
+                <a:gridCol w="671295">
+                  <a:extLst>
+                    <a:ext uri="{9D8B030D-6E8A-4147-A177-3AD203B41FA5}">
+                      <a16:colId xmlns:a16="http://schemas.microsoft.com/office/drawing/2014/main" val="2322839482"/>
+                    </a:ext>
+                  </a:extLst>
+                </a:gridCol>
+              </a:tblGrid>
+              <a:tr h="280031">
+                <a:tc>
+                  <a:txBody>
+                    <a:bodyPr/>
+                    <a:lstStyle/>
+                    <a:p>
+                      <a:pPr algn="ctr" fontAlgn="ctr"/>
+                      <a:r>
+                        <a:rPr lang="en-US" sz="1100" b="0" i="0" u="none" strike="noStrike" dirty="0">
+                          <a:solidFill>
+                            <a:srgbClr val="000000"/>
+                          </a:solidFill>
+                          <a:effectLst/>
+                          <a:latin typeface="맑은 고딕" panose="020B0503020000020004" pitchFamily="50" charset="-127"/>
+                          <a:ea typeface="맑은 고딕" panose="020B0503020000020004" pitchFamily="50" charset="-127"/>
+                        </a:rPr>
+                        <a:t>0</a:t>
+                      </a:r>
+                    </a:p>
+                  </a:txBody>
+                  <a:tcPr marL="7620" marR="7620" marT="7620" marB="0" anchor="ctr">
+                    <a:solidFill>
+                      <a:schemeClr val="accent1">
+                        <a:lumMod val="40000"/>
+                        <a:lumOff val="60000"/>
+                      </a:schemeClr>
+                    </a:solidFill>
+                  </a:tcPr>
+                </a:tc>
+                <a:extLst>
+                  <a:ext uri="{0D108BD9-81ED-4DB2-BD59-A6C34878D82A}">
+                    <a16:rowId xmlns:a16="http://schemas.microsoft.com/office/drawing/2014/main" val="2283032843"/>
+                  </a:ext>
+                </a:extLst>
+              </a:tr>
+              <a:tr h="280031">
+                <a:tc>
+                  <a:txBody>
+                    <a:bodyPr/>
+                    <a:lstStyle/>
+                    <a:p>
+                      <a:pPr algn="ctr" fontAlgn="ctr"/>
+                      <a:r>
+                        <a:rPr lang="en-US" altLang="ko-KR" sz="1100" b="0" i="0" u="none" strike="noStrike" dirty="0">
+                          <a:solidFill>
+                            <a:srgbClr val="000000"/>
+                          </a:solidFill>
+                          <a:effectLst/>
+                          <a:latin typeface="맑은 고딕" panose="020B0503020000020004" pitchFamily="50" charset="-127"/>
+                          <a:ea typeface="맑은 고딕" panose="020B0503020000020004" pitchFamily="50" charset="-127"/>
+                        </a:rPr>
+                        <a:t>Time</a:t>
+                      </a:r>
+                    </a:p>
+                  </a:txBody>
+                  <a:tcPr marL="7620" marR="7620" marT="7620" marB="0" anchor="ctr"/>
+                </a:tc>
+                <a:extLst>
+                  <a:ext uri="{0D108BD9-81ED-4DB2-BD59-A6C34878D82A}">
+                    <a16:rowId xmlns:a16="http://schemas.microsoft.com/office/drawing/2014/main" val="2068379614"/>
+                  </a:ext>
+                </a:extLst>
+              </a:tr>
+            </a:tbl>
+          </a:graphicData>
+        </a:graphic>
+      </p:graphicFrame>
     </p:spTree>
     <p:extLst>
       <p:ext uri="{BB962C8B-B14F-4D97-AF65-F5344CB8AC3E}">
@@ -13841,7 +13946,7 @@
         <p:spPr>
           <a:xfrm>
             <a:off x="116632" y="993710"/>
-            <a:ext cx="7749073" cy="2862322"/>
+            <a:ext cx="7749073" cy="3416320"/>
           </a:xfrm>
           <a:prstGeom prst="rect">
             <a:avLst/>
@@ -13854,9 +13959,26 @@
           </a:bodyPr>
           <a:lstStyle/>
           <a:p>
+            <a:pPr marL="342900" indent="-342900">
+              <a:buAutoNum type="arabicPeriod"/>
+            </a:pPr>
             <a:r>
               <a:rPr lang="en-US" altLang="ko-KR" dirty="0"/>
-              <a:t>1. Data Extraction</a:t>
+              <a:t>Data Extraction</a:t>
+            </a:r>
+          </a:p>
+          <a:p>
+            <a:r>
+              <a:rPr lang="en-US" altLang="ko-KR" dirty="0"/>
+              <a:t>-   Acquire 34ch </a:t>
+            </a:r>
+            <a:r>
+              <a:rPr lang="en-US" altLang="ko-KR" dirty="0" err="1"/>
+              <a:t>cdf</a:t>
+            </a:r>
+            <a:r>
+              <a:rPr lang="en-US" altLang="ko-KR" dirty="0"/>
+              <a:t> files (ch1: time, ch2: noise, ch34: flag) </a:t>
             </a:r>
           </a:p>
           <a:p>
@@ -13933,7 +14055,19 @@
               <a:rPr lang="en-US" altLang="ko-KR" dirty="0">
                 <a:sym typeface="Wingdings" panose="05000000000000000000" pitchFamily="2" charset="2"/>
               </a:rPr>
-              <a:t>mat: python programming</a:t>
+              <a:t>mat: python programming (ch1, ch2, ch34 are removed)</a:t>
+            </a:r>
+          </a:p>
+          <a:p>
+            <a:pPr marL="285750" indent="-285750">
+              <a:buFontTx/>
+              <a:buChar char="-"/>
+            </a:pPr>
+            <a:r>
+              <a:rPr lang="en-US" altLang="ko-KR" dirty="0">
+                <a:sym typeface="Wingdings" panose="05000000000000000000" pitchFamily="2" charset="2"/>
+              </a:rPr>
+              <a:t>Result: .mat files that contain 31ch EEG data</a:t>
             </a:r>
           </a:p>
           <a:p>
@@ -14009,12 +14143,42 @@
               <a:buChar char="-"/>
             </a:pPr>
             <a:r>
-              <a:rPr lang="en-US" altLang="ko-KR"/>
+              <a:rPr lang="en-US" altLang="ko-KR" dirty="0"/>
               <a:t>Convert mat file to set file</a:t>
             </a:r>
           </a:p>
         </p:txBody>
       </p:sp>
+      <p:pic>
+        <p:nvPicPr>
+          <p:cNvPr id="5" name="그림 4">
+            <a:extLst>
+              <a:ext uri="{FF2B5EF4-FFF2-40B4-BE49-F238E27FC236}">
+                <a16:creationId xmlns:a16="http://schemas.microsoft.com/office/drawing/2014/main" id="{A7821E27-C6CE-44C5-95CC-164BFD1EE9CF}"/>
+              </a:ext>
+            </a:extLst>
+          </p:cNvPr>
+          <p:cNvPicPr>
+            <a:picLocks noChangeAspect="1"/>
+          </p:cNvPicPr>
+          <p:nvPr/>
+        </p:nvPicPr>
+        <p:blipFill>
+          <a:blip r:embed="rId2"/>
+          <a:stretch>
+            <a:fillRect/>
+          </a:stretch>
+        </p:blipFill>
+        <p:spPr>
+          <a:xfrm>
+            <a:off x="5114498" y="2929637"/>
+            <a:ext cx="3912870" cy="2934653"/>
+          </a:xfrm>
+          <a:prstGeom prst="rect">
+            <a:avLst/>
+          </a:prstGeom>
+        </p:spPr>
+      </p:pic>
     </p:spTree>
     <p:extLst>
       <p:ext uri="{BB962C8B-B14F-4D97-AF65-F5344CB8AC3E}">

--- a/matlab/03_PILOT_Framework of Analysis.pptx
+++ b/matlab/03_PILOT_Framework of Analysis.pptx
@@ -5,13 +5,14 @@
     <p:sldMasterId id="2147483660" r:id="rId1"/>
   </p:sldMasterIdLst>
   <p:notesMasterIdLst>
-    <p:notesMasterId r:id="rId6"/>
+    <p:notesMasterId r:id="rId7"/>
   </p:notesMasterIdLst>
   <p:sldIdLst>
     <p:sldId id="258" r:id="rId2"/>
     <p:sldId id="260" r:id="rId3"/>
     <p:sldId id="259" r:id="rId4"/>
     <p:sldId id="261" r:id="rId5"/>
+    <p:sldId id="262" r:id="rId6"/>
   </p:sldIdLst>
   <p:sldSz cx="9144000" cy="6858000" type="screen4x3"/>
   <p:notesSz cx="6797675" cy="9874250"/>
@@ -13946,7 +13947,7 @@
         <p:spPr>
           <a:xfrm>
             <a:off x="116632" y="993710"/>
-            <a:ext cx="7749073" cy="3416320"/>
+            <a:ext cx="7749073" cy="4801314"/>
           </a:xfrm>
           <a:prstGeom prst="rect">
             <a:avLst/>
@@ -14147,6 +14148,49 @@
               <a:t>Convert mat file to set file</a:t>
             </a:r>
           </a:p>
+          <a:p>
+            <a:pPr marL="285750" indent="-285750">
+              <a:buFontTx/>
+              <a:buChar char="-"/>
+            </a:pPr>
+            <a:endParaRPr lang="en-US" altLang="ko-KR" dirty="0"/>
+          </a:p>
+          <a:p>
+            <a:r>
+              <a:rPr lang="en-US" altLang="ko-KR" dirty="0"/>
+              <a:t>4. Filtering</a:t>
+            </a:r>
+          </a:p>
+          <a:p>
+            <a:pPr marL="285750" indent="-285750">
+              <a:buFontTx/>
+              <a:buChar char="-"/>
+            </a:pPr>
+            <a:r>
+              <a:rPr lang="en-US" altLang="ko-KR" dirty="0"/>
+              <a:t>0.5Hz HPF</a:t>
+            </a:r>
+          </a:p>
+          <a:p>
+            <a:pPr marL="285750" indent="-285750">
+              <a:buFontTx/>
+              <a:buChar char="-"/>
+            </a:pPr>
+            <a:r>
+              <a:rPr lang="en-US" altLang="ko-KR" dirty="0"/>
+              <a:t>100Hz LPF</a:t>
+            </a:r>
+          </a:p>
+          <a:p>
+            <a:pPr marL="285750" indent="-285750">
+              <a:buFontTx/>
+              <a:buChar char="-"/>
+            </a:pPr>
+            <a:r>
+              <a:rPr lang="en-US" altLang="ko-KR" dirty="0"/>
+              <a:t>60Hz BRF</a:t>
+            </a:r>
+          </a:p>
         </p:txBody>
       </p:sp>
       <p:pic>
@@ -14171,8 +14215,38 @@
         </p:blipFill>
         <p:spPr>
           <a:xfrm>
-            <a:off x="5114498" y="2929637"/>
-            <a:ext cx="3912870" cy="2934653"/>
+            <a:off x="6036908" y="2490421"/>
+            <a:ext cx="2090056" cy="1567542"/>
+          </a:xfrm>
+          <a:prstGeom prst="rect">
+            <a:avLst/>
+          </a:prstGeom>
+        </p:spPr>
+      </p:pic>
+      <p:pic>
+        <p:nvPicPr>
+          <p:cNvPr id="9" name="그림 8">
+            <a:extLst>
+              <a:ext uri="{FF2B5EF4-FFF2-40B4-BE49-F238E27FC236}">
+                <a16:creationId xmlns:a16="http://schemas.microsoft.com/office/drawing/2014/main" id="{9E608914-3D74-4848-A7DB-CFDFB9C223F8}"/>
+              </a:ext>
+            </a:extLst>
+          </p:cNvPr>
+          <p:cNvPicPr>
+            <a:picLocks noChangeAspect="1"/>
+          </p:cNvPicPr>
+          <p:nvPr/>
+        </p:nvPicPr>
+        <p:blipFill>
+          <a:blip r:embed="rId3"/>
+          <a:stretch>
+            <a:fillRect/>
+          </a:stretch>
+        </p:blipFill>
+        <p:spPr>
+          <a:xfrm>
+            <a:off x="4236098" y="4057963"/>
+            <a:ext cx="4907902" cy="2392602"/>
           </a:xfrm>
           <a:prstGeom prst="rect">
             <a:avLst/>
@@ -14183,6 +14257,226 @@
     <p:extLst>
       <p:ext uri="{BB962C8B-B14F-4D97-AF65-F5344CB8AC3E}">
         <p14:creationId xmlns:p14="http://schemas.microsoft.com/office/powerpoint/2010/main" val="1403240862"/>
+      </p:ext>
+    </p:extLst>
+  </p:cSld>
+  <p:clrMapOvr>
+    <a:masterClrMapping/>
+  </p:clrMapOvr>
+</p:sld>
+</file>
+
+<file path=ppt/slides/slide5.xml><?xml version="1.0" encoding="utf-8"?>
+<p:sld xmlns:a="http://schemas.openxmlformats.org/drawingml/2006/main" xmlns:r="http://schemas.openxmlformats.org/officeDocument/2006/relationships" xmlns:p="http://schemas.openxmlformats.org/presentationml/2006/main">
+  <p:cSld>
+    <p:spTree>
+      <p:nvGrpSpPr>
+        <p:cNvPr id="1" name=""/>
+        <p:cNvGrpSpPr/>
+        <p:nvPr/>
+      </p:nvGrpSpPr>
+      <p:grpSpPr>
+        <a:xfrm>
+          <a:off x="0" y="0"/>
+          <a:ext cx="0" cy="0"/>
+          <a:chOff x="0" y="0"/>
+          <a:chExt cx="0" cy="0"/>
+        </a:xfrm>
+      </p:grpSpPr>
+      <p:sp>
+        <p:nvSpPr>
+          <p:cNvPr id="2" name="Title 1">
+            <a:extLst>
+              <a:ext uri="{FF2B5EF4-FFF2-40B4-BE49-F238E27FC236}">
+                <a16:creationId xmlns:a16="http://schemas.microsoft.com/office/drawing/2014/main" id="{A72E3819-0879-4043-ACE3-71896A7ED430}"/>
+              </a:ext>
+            </a:extLst>
+          </p:cNvPr>
+          <p:cNvSpPr txBox="1">
+            <a:spLocks/>
+          </p:cNvSpPr>
+          <p:nvPr/>
+        </p:nvSpPr>
+        <p:spPr>
+          <a:xfrm>
+            <a:off x="0" y="98811"/>
+            <a:ext cx="5316855" cy="631054"/>
+          </a:xfrm>
+          <a:prstGeom prst="rect">
+            <a:avLst/>
+          </a:prstGeom>
+        </p:spPr>
+        <p:txBody>
+          <a:bodyPr vert="horz" lIns="91440" tIns="45720" rIns="91440" bIns="45720" rtlCol="0" anchor="ctr">
+            <a:normAutofit fontScale="90000" lnSpcReduction="10000"/>
+          </a:bodyPr>
+          <a:lstStyle>
+            <a:lvl1pPr algn="l" defTabSz="914400" rtl="0" eaLnBrk="1" latinLnBrk="1" hangingPunct="1">
+              <a:lnSpc>
+                <a:spcPct val="90000"/>
+              </a:lnSpc>
+              <a:spcBef>
+                <a:spcPct val="0"/>
+              </a:spcBef>
+              <a:buNone/>
+              <a:defRPr sz="4400" kern="1200">
+                <a:solidFill>
+                  <a:schemeClr val="tx1"/>
+                </a:solidFill>
+                <a:latin typeface="+mj-lt"/>
+                <a:ea typeface="+mj-ea"/>
+                <a:cs typeface="+mj-cs"/>
+              </a:defRPr>
+            </a:lvl1pPr>
+          </a:lstStyle>
+          <a:p>
+            <a:r>
+              <a:rPr lang="en-US" altLang="ko-KR" b="1">
+                <a:solidFill>
+                  <a:schemeClr val="bg1"/>
+                </a:solidFill>
+                <a:latin typeface="Gowun Dodum" pitchFamily="2" charset="-127"/>
+                <a:ea typeface="Gowun Dodum" pitchFamily="2" charset="-127"/>
+              </a:rPr>
+              <a:t>Framework of Analysis</a:t>
+            </a:r>
+            <a:endParaRPr lang="ko-KR" altLang="en-US" dirty="0">
+              <a:solidFill>
+                <a:schemeClr val="bg1"/>
+              </a:solidFill>
+              <a:latin typeface="Gowun Dodum" pitchFamily="2" charset="-127"/>
+              <a:ea typeface="Gowun Dodum" pitchFamily="2" charset="-127"/>
+            </a:endParaRPr>
+          </a:p>
+        </p:txBody>
+      </p:sp>
+      <p:sp>
+        <p:nvSpPr>
+          <p:cNvPr id="3" name="TextBox 2">
+            <a:extLst>
+              <a:ext uri="{FF2B5EF4-FFF2-40B4-BE49-F238E27FC236}">
+                <a16:creationId xmlns:a16="http://schemas.microsoft.com/office/drawing/2014/main" id="{951FA23D-BA05-4AC3-A7E9-8C22AD5B9BC4}"/>
+              </a:ext>
+            </a:extLst>
+          </p:cNvPr>
+          <p:cNvSpPr txBox="1"/>
+          <p:nvPr/>
+        </p:nvSpPr>
+        <p:spPr>
+          <a:xfrm>
+            <a:off x="163285" y="877077"/>
+            <a:ext cx="7086601" cy="1477328"/>
+          </a:xfrm>
+          <a:prstGeom prst="rect">
+            <a:avLst/>
+          </a:prstGeom>
+          <a:noFill/>
+        </p:spPr>
+        <p:txBody>
+          <a:bodyPr wrap="square" rtlCol="0">
+            <a:spAutoFit/>
+          </a:bodyPr>
+          <a:lstStyle/>
+          <a:p>
+            <a:r>
+              <a:rPr lang="en-US" altLang="ko-KR" dirty="0"/>
+              <a:t>5. Session dividing</a:t>
+            </a:r>
+          </a:p>
+          <a:p>
+            <a:pPr marL="285750" indent="-285750">
+              <a:buFontTx/>
+              <a:buChar char="-"/>
+            </a:pPr>
+            <a:r>
+              <a:rPr lang="en-US" altLang="ko-KR" dirty="0"/>
+              <a:t>session: base(6min), stim(6min), </a:t>
+            </a:r>
+            <a:r>
+              <a:rPr lang="en-US" altLang="ko-KR" dirty="0" err="1"/>
+              <a:t>reco</a:t>
+            </a:r>
+            <a:r>
+              <a:rPr lang="en-US" altLang="ko-KR"/>
+              <a:t>(6min)</a:t>
+            </a:r>
+            <a:endParaRPr lang="en-US" altLang="ko-KR" dirty="0"/>
+          </a:p>
+          <a:p>
+            <a:pPr marL="285750" indent="-285750">
+              <a:buFontTx/>
+              <a:buChar char="-"/>
+            </a:pPr>
+            <a:r>
+              <a:rPr lang="en-US" altLang="ko-KR" dirty="0"/>
+              <a:t>Session dividing</a:t>
+            </a:r>
+            <a:r>
+              <a:rPr lang="ko-KR" altLang="en-US" dirty="0"/>
+              <a:t>을 하지 않고 </a:t>
+            </a:r>
+            <a:r>
+              <a:rPr lang="en-US" altLang="ko-KR" dirty="0"/>
+              <a:t>ICA</a:t>
+            </a:r>
+            <a:r>
+              <a:rPr lang="ko-KR" altLang="en-US" dirty="0"/>
+              <a:t>를 하면</a:t>
+            </a:r>
+            <a:r>
+              <a:rPr lang="en-US" altLang="ko-KR" dirty="0"/>
+              <a:t>, stim </a:t>
+            </a:r>
+            <a:r>
+              <a:rPr lang="ko-KR" altLang="en-US" dirty="0"/>
+              <a:t>구간의 노이즈가 반영되어 정확한 </a:t>
+            </a:r>
+            <a:r>
+              <a:rPr lang="en-US" altLang="ko-KR" dirty="0"/>
+              <a:t>eye-artifact</a:t>
+            </a:r>
+            <a:r>
+              <a:rPr lang="ko-KR" altLang="en-US" dirty="0"/>
+              <a:t>를 제거할 수 없음</a:t>
+            </a:r>
+            <a:endParaRPr lang="en-US" altLang="ko-KR" dirty="0"/>
+          </a:p>
+          <a:p>
+            <a:pPr marL="285750" indent="-285750">
+              <a:buFontTx/>
+              <a:buChar char="-"/>
+            </a:pPr>
+            <a:r>
+              <a:rPr lang="en-US" altLang="ko-KR" dirty="0"/>
+              <a:t>Session </a:t>
+            </a:r>
+            <a:r>
+              <a:rPr lang="ko-KR" altLang="en-US" dirty="0"/>
+              <a:t>별로 </a:t>
+            </a:r>
+            <a:r>
+              <a:rPr lang="en-US" altLang="ko-KR" dirty="0"/>
+              <a:t>eye-artifact</a:t>
+            </a:r>
+            <a:r>
+              <a:rPr lang="ko-KR" altLang="en-US" dirty="0"/>
+              <a:t>를 제거하기 위해 </a:t>
+            </a:r>
+            <a:r>
+              <a:rPr lang="en-US" altLang="ko-KR" dirty="0"/>
+              <a:t>session</a:t>
+            </a:r>
+            <a:r>
+              <a:rPr lang="ko-KR" altLang="en-US" dirty="0"/>
+              <a:t>을 나누어 줌</a:t>
+            </a:r>
+          </a:p>
+        </p:txBody>
+      </p:sp>
+    </p:spTree>
+    <p:extLst>
+      <p:ext uri="{BB962C8B-B14F-4D97-AF65-F5344CB8AC3E}">
+        <p14:creationId xmlns:p14="http://schemas.microsoft.com/office/powerpoint/2010/main" val="1776683568"/>
       </p:ext>
     </p:extLst>
   </p:cSld>

--- a/matlab/03_PILOT_Framework of Analysis.pptx
+++ b/matlab/03_PILOT_Framework of Analysis.pptx
@@ -14397,10 +14397,9 @@
               <a:t>reco</a:t>
             </a:r>
             <a:r>
-              <a:rPr lang="en-US" altLang="ko-KR"/>
+              <a:rPr lang="en-US" altLang="ko-KR" dirty="0"/>
               <a:t>(6min)</a:t>
             </a:r>
-            <a:endParaRPr lang="en-US" altLang="ko-KR" dirty="0"/>
           </a:p>
           <a:p>
             <a:pPr marL="285750" indent="-285750">
